--- a/2023.9.11.pptx
+++ b/2023.9.11.pptx
@@ -713,7 +713,11 @@
           <a:p>
             <a:r>
               <a:rPr lang="en-US"/>
-              <a:t>"The second paper I read is about Contrastive Learning. Professor Song shared this paper on Google Docs with the title 'Self-supervised Contrastive Representation Learning for Semi-supervised Time-Series Classification.' However, while reading this paper, I realized that its work is essentially an extension of the author's previous conference paper titled 'Time-Series Representation Learning via Temporal and Contextual Contrasting,' published at IJCAI in 2021, which is a prestigious A-level conference. Therefore, I started by reading the conference paper this week.</a:t>
+              <a:t>"The second paper I read is about Contrastive Learning. Professor Song shared a paper about contrastive learning on Google Docs and I find that paper‘s work is an extension of the this paper, which is published in a CCFA  conference. Therefore, I decided to read the conference paper </a:t>
+            </a:r>
+            <a:r>
+              <a:rPr lang="en-US"/>
+              <a:t>first.</a:t>
             </a:r>
             <a:endParaRPr lang="en-US"/>
           </a:p>
@@ -723,17 +727,7 @@
           <a:p>
             <a:r>
               <a:rPr lang="en-US"/>
-              <a:t>The background of the paper is that time-series data often lack annotations. Therefore, learning key feature representations within time sequences often requires self-supervised methods. This is typically achieved by setting up pretext tasks to make the model complete, but the choice of these pretext tasks can limit the generality of the learned features. Contrastive learning is another form of self-supervised learning. It explores different views of the input data by first applying data augmentation techniques and then learns the representations by maximizing the similarity of different views from the same sample and minimizing the similarity with views from different samples. In the field of computer vision, there are already many methods for contrastive learning, but most of them cannot be directly applied to time series data. The few studies on contrastive learning in time series focus on specific signals. Therefore, the author proposed a time-series contrastive learning framework to fill this gap.</a:t>
-            </a:r>
-            <a:endParaRPr lang="en-US"/>
-          </a:p>
-          <a:p>
-            <a:endParaRPr lang="en-US"/>
-          </a:p>
-          <a:p>
-            <a:r>
-              <a:rPr lang="en-US"/>
-              <a:t>The framework proposed by the author consists of three main parts. The first part generates two different yet correlated views of the input data based on strong and weak augmentations. Then, a temporal contrasting module is introduced to explore the temporal features of the data with an autoregressive model. These models perform a challenging cross-view prediction task by predicting the future of one view using the past of the other. Further agreement between the contexts of the autoregressive models is maximized by a contextual contrasting module."</a:t>
+              <a:t>And I will discuss what each module do</a:t>
             </a:r>
             <a:endParaRPr lang="en-US"/>
           </a:p>
@@ -779,6 +773,10 @@
         <p:txBody>
           <a:bodyPr/>
           <a:p>
+            <a:r>
+              <a:rPr lang="en-US"/>
+              <a:t>And the z will be put into the temporal contrasting module.</a:t>
+            </a:r>
             <a:endParaRPr lang="en-US"/>
           </a:p>
         </p:txBody>
@@ -825,7 +823,7 @@
           <a:p>
             <a:r>
               <a:rPr lang="en-US"/>
-              <a:t>Regarding D, I employed the XAI (Explainable Artificial Intelligence) method known as Perturbation-based method, just as what i discussed with Professor song last week. I try to alter key features, observe the extent and trend of changes in predictive results, thereby inferring whether the model has learned the key features. I designed three sets of experiments, labeled 1, 2, and 3. In these experiments, 1.4 means increasing peaks magnitude by 1.4 times, and 0.7 means the same and they are reciprocal [rɪˈsɪprəkl]. </a:t>
+              <a:t>This is the data flow diagram of TS-TCC. It incorporates self-supervised learning tasks in both the temporal contrasting module and the contextual contrasting module, and the final loss is the sum of these two task losses. However, in our SCG dataset, we do have labels. Therefore, when implementing the code, I also added the loss from predictions to the total loss. Additionally, since I am not familiar with transformers, I don’t know how to set the hyparameter in the method. So I just excluded the temporal contrasting module during implementation, resulting in the final loss being the sum of prediction loss and contextual loss.</a:t>
             </a:r>
             <a:endParaRPr lang="en-US"/>
           </a:p>
@@ -871,6 +869,10 @@
         <p:txBody>
           <a:bodyPr/>
           <a:p>
+            <a:r>
+              <a:rPr lang="en-US"/>
+              <a:t>The left figure is the pervious result using CNN to predict S. Due to the data shift, the predicitons are all lower than the label. And the right one is the result using the contrastive learning. We can find the mae is slightly reduced, but it still doesn’t learn the right feature. I think there may be two reasons, the first is that the temporal contrasting module is very important, it can’t be removed. And maybe the hyperparameter still needs to be tuned. Next week I will try to learn how to implement transformer and use the whole algorithm to SCG dataset.</a:t>
+            </a:r>
             <a:endParaRPr lang="en-US"/>
           </a:p>
         </p:txBody>
@@ -915,7 +917,15 @@
         <p:txBody>
           <a:bodyPr/>
           <a:p>
-            <a:endParaRPr lang="zh-CN" altLang="en-US"/>
+            <a:r>
+              <a:rPr lang="en-US" altLang="zh-CN"/>
+              <a:t>Because I think last week’s </a:t>
+            </a:r>
+            <a:r>
+              <a:rPr lang="en-US" altLang="zh-CN"/>
+              <a:t>perturbation based method can prove that CNN has learn the right feature, but this week’s result is not satisfactory. I don’t know how to explain this contradiction.</a:t>
+            </a:r>
+            <a:endParaRPr lang="en-US" altLang="zh-CN"/>
           </a:p>
         </p:txBody>
       </p:sp>
@@ -1463,16 +1473,6 @@
             <a:r>
               <a:rPr lang="en-US"/>
               <a:t>This equation implies that BPD has such relationship with S. In other words, we can use a simple linear regression (LR) model to predict S. if we know the BPD </a:t>
-            </a:r>
-            <a:endParaRPr lang="en-US"/>
-          </a:p>
-          <a:p>
-            <a:endParaRPr lang="en-US"/>
-          </a:p>
-          <a:p>
-            <a:r>
-              <a:rPr lang="en-US"/>
-              <a:t>I did not add a respirate to this signal because the paper assumed that the respirate is added to the pure signal and can be easily removed using a simple band-pass filter. In the paper, the removal of the respirate signal is not the focus, so I did not simulate it here. </a:t>
             </a:r>
             <a:endParaRPr lang="en-US"/>
           </a:p>
@@ -5599,7 +5599,7 @@
                 <a:latin typeface="Times New Roman" panose="02020603050405020304" charset="0"/>
                 <a:cs typeface="Times New Roman" panose="02020603050405020304" charset="0"/>
               </a:rPr>
-              <a:t>In the field of computer vision, there have been many methods for contrastive learning. However, most of these methods cannot be directly applied to time-series data, and the few that have explored contrastive learning in time series have focused on specific signals. Therefore, the author proposes a framework for time-series contrastive learning to fill this gap in the field."</a:t>
+              <a:t>In the field of computer vision, there have been many methods for contrastive learning. However, most of these methods cannot be directly applied to time-series data, and the few that have explored contrastive learning in time series have focused on specific signals. Therefore, the author proposes a framework for time-series contrastive learning to fill this gap in the field.</a:t>
             </a:r>
             <a:endParaRPr sz="2000">
               <a:latin typeface="Times New Roman" panose="02020603050405020304" charset="0"/>
@@ -5673,9 +5673,44 @@
                 <a:latin typeface="Times New Roman" panose="02020603050405020304" charset="0"/>
                 <a:cs typeface="Times New Roman" panose="02020603050405020304" charset="0"/>
               </a:rPr>
-              <a:t>ata augmentation techniques to generate two different yet correlated views of the input data. Subsequently, a time-contrastive module is introduced, which leverages autoregressive models to explore the temporal features of the data. These models use the past of one view to predict the future of another view, accomplishing a challenging cross-view prediction task. Further enhancement of consistency between the autoregressive model's contexts is achieved through the context-contrast module."</a:t>
-            </a:r>
-            <a:endParaRPr lang="zh-CN" altLang="en-US" sz="2000">
+              <a:t>ata augmentation techniques to generate two different yet correlated views of the </a:t>
+            </a:r>
+            <a:r>
+              <a:rPr lang="en-US" altLang="zh-CN" sz="2000">
+                <a:latin typeface="Times New Roman" panose="02020603050405020304" charset="0"/>
+                <a:cs typeface="Times New Roman" panose="02020603050405020304" charset="0"/>
+              </a:rPr>
+              <a:t>raw</a:t>
+            </a:r>
+            <a:r>
+              <a:rPr lang="zh-CN" altLang="en-US" sz="2000">
+                <a:latin typeface="Times New Roman" panose="02020603050405020304" charset="0"/>
+                <a:cs typeface="Times New Roman" panose="02020603050405020304" charset="0"/>
+              </a:rPr>
+              <a:t> data. Subsequently, a </a:t>
+            </a:r>
+            <a:r>
+              <a:rPr lang="en-US" altLang="zh-CN" sz="2000">
+                <a:latin typeface="Times New Roman" panose="02020603050405020304" charset="0"/>
+                <a:cs typeface="Times New Roman" panose="02020603050405020304" charset="0"/>
+              </a:rPr>
+              <a:t>temporal </a:t>
+            </a:r>
+            <a:r>
+              <a:rPr lang="zh-CN" altLang="en-US" sz="2000">
+                <a:latin typeface="Times New Roman" panose="02020603050405020304" charset="0"/>
+                <a:cs typeface="Times New Roman" panose="02020603050405020304" charset="0"/>
+              </a:rPr>
+              <a:t>contrastive module is introduced, which leverages autoregressive models to explore the temporal features of the data. These models use the past of one view to predict the future of another view, accomplishing a cross-view prediction task. </a:t>
+            </a:r>
+            <a:r>
+              <a:rPr lang="en-US" altLang="zh-CN" sz="2000">
+                <a:latin typeface="Times New Roman" panose="02020603050405020304" charset="0"/>
+                <a:cs typeface="Times New Roman" panose="02020603050405020304" charset="0"/>
+              </a:rPr>
+              <a:t>Finally, the contextual contrastive module is introduced to maximize the agreement between the contexts of the autoregressive models</a:t>
+            </a:r>
+            <a:endParaRPr lang="en-US" altLang="zh-CN" sz="2000">
               <a:latin typeface="Times New Roman" panose="02020603050405020304" charset="0"/>
               <a:cs typeface="Times New Roman" panose="02020603050405020304" charset="0"/>
             </a:endParaRPr>
@@ -5887,7 +5922,21 @@
                 <a:latin typeface="Times New Roman" panose="02020603050405020304" charset="0"/>
                 <a:cs typeface="Times New Roman" panose="02020603050405020304" charset="0"/>
               </a:rPr>
-              <a:t> and scaling, while the other is 'strong' and involves permutation</a:t>
+              <a:t> and scaling, while the other is 'strong' </a:t>
+            </a:r>
+            <a:r>
+              <a:rPr lang="en-US" altLang="zh-CN">
+                <a:latin typeface="Times New Roman" panose="02020603050405020304" charset="0"/>
+                <a:cs typeface="Times New Roman" panose="02020603050405020304" charset="0"/>
+              </a:rPr>
+              <a:t>which </a:t>
+            </a:r>
+            <a:r>
+              <a:rPr lang="zh-CN" altLang="en-US">
+                <a:latin typeface="Times New Roman" panose="02020603050405020304" charset="0"/>
+                <a:cs typeface="Times New Roman" panose="02020603050405020304" charset="0"/>
+              </a:rPr>
+              <a:t>involves permutation</a:t>
             </a:r>
             <a:r>
               <a:rPr lang="en-US">
@@ -5948,119 +5997,133 @@
                 <a:latin typeface="Times New Roman" panose="02020603050405020304" charset="0"/>
                 <a:cs typeface="Times New Roman" panose="02020603050405020304" charset="0"/>
               </a:rPr>
-              <a:t>This module employs an autoregressive model (transformer) to map the first </a:t>
+              <a:t>This module employs an autoregressive model (transformer) to map the </a:t>
+            </a:r>
+            <a:r>
+              <a:rPr lang="en-US">
+                <a:latin typeface="Times New Roman" panose="02020603050405020304" charset="0"/>
+                <a:cs typeface="Times New Roman" panose="02020603050405020304" charset="0"/>
+              </a:rPr>
+              <a:t>z</a:t>
+            </a:r>
+            <a:r>
+              <a:rPr lang="zh-CN" altLang="en-US">
+                <a:latin typeface="Times New Roman" panose="02020603050405020304" charset="0"/>
+                <a:cs typeface="Times New Roman" panose="02020603050405020304" charset="0"/>
+              </a:rPr>
+              <a:t> to a context vector </a:t>
+            </a:r>
+            <a:r>
+              <a:rPr lang="en-US">
+                <a:latin typeface="Times New Roman" panose="02020603050405020304" charset="0"/>
+                <a:cs typeface="Times New Roman" panose="02020603050405020304" charset="0"/>
+              </a:rPr>
+              <a:t>c</a:t>
             </a:r>
             <a:r>
               <a:rPr lang="en-US" altLang="zh-CN">
                 <a:latin typeface="Times New Roman" panose="02020603050405020304" charset="0"/>
                 <a:cs typeface="Times New Roman" panose="02020603050405020304" charset="0"/>
               </a:rPr>
-              <a:t>t</a:t>
+              <a:t>. Then </a:t>
             </a:r>
             <a:r>
               <a:rPr lang="zh-CN" altLang="en-US">
                 <a:latin typeface="Times New Roman" panose="02020603050405020304" charset="0"/>
                 <a:cs typeface="Times New Roman" panose="02020603050405020304" charset="0"/>
               </a:rPr>
-              <a:t> timesteps of 'weak z' to a context vector </a:t>
+              <a:t>propose a cross-view prediction task by using the context of the strong</a:t>
             </a:r>
             <a:r>
               <a:rPr lang="en-US" altLang="zh-CN">
                 <a:latin typeface="Times New Roman" panose="02020603050405020304" charset="0"/>
                 <a:cs typeface="Times New Roman" panose="02020603050405020304" charset="0"/>
               </a:rPr>
-              <a:t>‘</a:t>
+              <a:t> ‘c’ </a:t>
             </a:r>
             <a:r>
               <a:rPr lang="zh-CN" altLang="en-US">
                 <a:latin typeface="Times New Roman" panose="02020603050405020304" charset="0"/>
                 <a:cs typeface="Times New Roman" panose="02020603050405020304" charset="0"/>
               </a:rPr>
-              <a:t>c</a:t>
+              <a:t>to predict the future timesteps of the weak</a:t>
             </a:r>
             <a:r>
               <a:rPr lang="en-US" altLang="zh-CN">
                 <a:latin typeface="Times New Roman" panose="02020603050405020304" charset="0"/>
                 <a:cs typeface="Times New Roman" panose="02020603050405020304" charset="0"/>
               </a:rPr>
-              <a:t>’. Then </a:t>
+              <a:t> ‘z’ </a:t>
             </a:r>
             <a:r>
               <a:rPr lang="zh-CN" altLang="en-US">
                 <a:latin typeface="Times New Roman" panose="02020603050405020304" charset="0"/>
                 <a:cs typeface="Times New Roman" panose="02020603050405020304" charset="0"/>
               </a:rPr>
-              <a:t>propose a tough</a:t>
+              <a:t>and vice versa</a:t>
             </a:r>
             <a:r>
               <a:rPr lang="en-US" altLang="zh-CN">
                 <a:latin typeface="Times New Roman" panose="02020603050405020304" charset="0"/>
                 <a:cs typeface="Times New Roman" panose="02020603050405020304" charset="0"/>
               </a:rPr>
-              <a:t> </a:t>
+              <a:t>. </a:t>
             </a:r>
             <a:r>
               <a:rPr lang="zh-CN" altLang="en-US">
                 <a:latin typeface="Times New Roman" panose="02020603050405020304" charset="0"/>
                 <a:cs typeface="Times New Roman" panose="02020603050405020304" charset="0"/>
               </a:rPr>
-              <a:t>cross-view prediction task by using the context of the strong</a:t>
+              <a:t>Finally, through this t</a:t>
             </a:r>
             <a:r>
               <a:rPr lang="en-US" altLang="zh-CN">
                 <a:latin typeface="Times New Roman" panose="02020603050405020304" charset="0"/>
                 <a:cs typeface="Times New Roman" panose="02020603050405020304" charset="0"/>
               </a:rPr>
-              <a:t> ‘c’ </a:t>
+              <a:t>emporal </a:t>
             </a:r>
             <a:r>
               <a:rPr lang="zh-CN" altLang="en-US">
                 <a:latin typeface="Times New Roman" panose="02020603050405020304" charset="0"/>
                 <a:cs typeface="Times New Roman" panose="02020603050405020304" charset="0"/>
               </a:rPr>
-              <a:t>to predict the future timesteps of the weak</a:t>
+              <a:t>contrast</a:t>
             </a:r>
             <a:r>
               <a:rPr lang="en-US" altLang="zh-CN">
                 <a:latin typeface="Times New Roman" panose="02020603050405020304" charset="0"/>
                 <a:cs typeface="Times New Roman" panose="02020603050405020304" charset="0"/>
               </a:rPr>
-              <a:t> ‘z’ </a:t>
+              <a:t>ing</a:t>
             </a:r>
             <a:r>
               <a:rPr lang="zh-CN" altLang="en-US">
                 <a:latin typeface="Times New Roman" panose="02020603050405020304" charset="0"/>
                 <a:cs typeface="Times New Roman" panose="02020603050405020304" charset="0"/>
               </a:rPr>
-              <a:t>and vice versa</a:t>
+              <a:t> module, the initial low-level feature representation </a:t>
             </a:r>
             <a:r>
               <a:rPr lang="en-US" altLang="zh-CN">
                 <a:latin typeface="Times New Roman" panose="02020603050405020304" charset="0"/>
                 <a:cs typeface="Times New Roman" panose="02020603050405020304" charset="0"/>
               </a:rPr>
-              <a:t>. </a:t>
+              <a:t>‘z’ </a:t>
             </a:r>
             <a:r>
               <a:rPr lang="zh-CN" altLang="en-US">
                 <a:latin typeface="Times New Roman" panose="02020603050405020304" charset="0"/>
                 <a:cs typeface="Times New Roman" panose="02020603050405020304" charset="0"/>
               </a:rPr>
-              <a:t>Finally, through this time-contrast module, the initial low-level feature representation </a:t>
+              <a:t>can be transformed into a high-level feature representation 'c' with temporal </a:t>
             </a:r>
             <a:r>
               <a:rPr lang="en-US" altLang="zh-CN">
                 <a:latin typeface="Times New Roman" panose="02020603050405020304" charset="0"/>
                 <a:cs typeface="Times New Roman" panose="02020603050405020304" charset="0"/>
               </a:rPr>
-              <a:t>‘z’ </a:t>
-            </a:r>
-            <a:r>
-              <a:rPr lang="zh-CN" altLang="en-US">
-                <a:latin typeface="Times New Roman" panose="02020603050405020304" charset="0"/>
-                <a:cs typeface="Times New Roman" panose="02020603050405020304" charset="0"/>
-              </a:rPr>
-              <a:t>can be transformed into a high-level feature representation 'c' with temporal dependencies.</a:t>
+              <a:t>information of the signal</a:t>
             </a:r>
             <a:endParaRPr lang="zh-CN" altLang="en-US">
               <a:latin typeface="Times New Roman" panose="02020603050405020304" charset="0"/>
@@ -6128,7 +6191,7 @@
                 <a:latin typeface="Times New Roman" panose="02020603050405020304" charset="0"/>
                 <a:cs typeface="Times New Roman" panose="02020603050405020304" charset="0"/>
               </a:rPr>
-              <a:t>s of views input into this module, it calculates the similarity between them. Views from the same original data source should have high similarity, while views from different original data sources should have low similarity, as they originate from different datasets."</a:t>
+              <a:t> of views input into this module, it calculates the similarity between them. Views from the same original data source should have high similarity, while views from different original data sources should have low similarity, as they originate from different datasets</a:t>
             </a:r>
             <a:endParaRPr lang="zh-CN" altLang="en-US">
               <a:latin typeface="Times New Roman" panose="02020603050405020304" charset="0"/>
@@ -7832,7 +7895,7 @@
         </p:nvSpPr>
         <p:spPr>
           <a:xfrm>
-            <a:off x="1250950" y="5207635"/>
+            <a:off x="1002030" y="5314315"/>
             <a:ext cx="4064000" cy="368300"/>
           </a:xfrm>
           <a:prstGeom prst="rect">
@@ -8101,7 +8164,7 @@
         </p:blipFill>
         <p:spPr>
           <a:xfrm>
-            <a:off x="1325880" y="1730375"/>
+            <a:off x="1335405" y="1730375"/>
             <a:ext cx="101600" cy="113030"/>
           </a:xfrm>
           <a:prstGeom prst="rect">
@@ -8468,7 +8531,7 @@
                 <a:cs typeface="Times New Roman" panose="02020603050405020304" charset="0"/>
                 <a:sym typeface="+mn-ea"/>
               </a:rPr>
-              <a:t>t</a:t>
+              <a:t>implement</a:t>
             </a:r>
             <a:r>
               <a:rPr sz="2000">
@@ -8476,7 +8539,7 @@
                 <a:cs typeface="Times New Roman" panose="02020603050405020304" charset="0"/>
                 <a:sym typeface="+mn-ea"/>
               </a:rPr>
-              <a:t>ranslate 18 R language functions as planned</a:t>
+              <a:t> 18 R language functions as planned</a:t>
             </a:r>
             <a:endParaRPr sz="2000">
               <a:latin typeface="Times New Roman" panose="02020603050405020304" charset="0"/>
